--- a/Lecture_3/A Taste of Fisheries Science_presentation3.pptx
+++ b/Lecture_3/A Taste of Fisheries Science_presentation3.pptx
@@ -224,7 +224,7 @@
           <a:p>
             <a:fld id="{2398E56C-5B4E-4C10-84AF-04B7AE478ABE}" type="datetimeFigureOut">
               <a:rPr lang="en-US" smtClean="0"/>
-              <a:t>2/13/2022</a:t>
+              <a:t>2/16/2022</a:t>
             </a:fld>
             <a:endParaRPr lang="en-US"/>
           </a:p>
@@ -2262,7 +2262,7 @@
           <a:p>
             <a:fld id="{5D8BE0D3-E4A9-48BC-9171-F8D206744B4D}" type="datetimeFigureOut">
               <a:rPr lang="en-US" smtClean="0"/>
-              <a:t>2/13/2022</a:t>
+              <a:t>2/16/2022</a:t>
             </a:fld>
             <a:endParaRPr lang="en-US"/>
           </a:p>
@@ -2470,7 +2470,7 @@
           <a:p>
             <a:fld id="{5D8BE0D3-E4A9-48BC-9171-F8D206744B4D}" type="datetimeFigureOut">
               <a:rPr lang="en-US" smtClean="0"/>
-              <a:t>2/13/2022</a:t>
+              <a:t>2/16/2022</a:t>
             </a:fld>
             <a:endParaRPr lang="en-US"/>
           </a:p>
@@ -2726,7 +2726,7 @@
           <a:p>
             <a:fld id="{5D8BE0D3-E4A9-48BC-9171-F8D206744B4D}" type="datetimeFigureOut">
               <a:rPr lang="en-US" smtClean="0"/>
-              <a:t>2/13/2022</a:t>
+              <a:t>2/16/2022</a:t>
             </a:fld>
             <a:endParaRPr lang="en-US"/>
           </a:p>
@@ -2896,7 +2896,7 @@
           <a:p>
             <a:fld id="{5D8BE0D3-E4A9-48BC-9171-F8D206744B4D}" type="datetimeFigureOut">
               <a:rPr lang="en-US" smtClean="0"/>
-              <a:t>2/13/2022</a:t>
+              <a:t>2/16/2022</a:t>
             </a:fld>
             <a:endParaRPr lang="en-US"/>
           </a:p>
@@ -3239,7 +3239,7 @@
           <a:p>
             <a:fld id="{5D8BE0D3-E4A9-48BC-9171-F8D206744B4D}" type="datetimeFigureOut">
               <a:rPr lang="en-US" smtClean="0"/>
-              <a:t>2/13/2022</a:t>
+              <a:t>2/16/2022</a:t>
             </a:fld>
             <a:endParaRPr lang="en-US"/>
           </a:p>
@@ -3514,7 +3514,7 @@
           <a:p>
             <a:fld id="{5D8BE0D3-E4A9-48BC-9171-F8D206744B4D}" type="datetimeFigureOut">
               <a:rPr lang="en-US" smtClean="0"/>
-              <a:t>2/13/2022</a:t>
+              <a:t>2/16/2022</a:t>
             </a:fld>
             <a:endParaRPr lang="en-US"/>
           </a:p>
@@ -3892,7 +3892,7 @@
           <a:p>
             <a:fld id="{5D8BE0D3-E4A9-48BC-9171-F8D206744B4D}" type="datetimeFigureOut">
               <a:rPr lang="en-US" smtClean="0"/>
-              <a:t>2/13/2022</a:t>
+              <a:t>2/16/2022</a:t>
             </a:fld>
             <a:endParaRPr lang="en-US"/>
           </a:p>
@@ -4010,7 +4010,7 @@
           <a:p>
             <a:fld id="{5D8BE0D3-E4A9-48BC-9171-F8D206744B4D}" type="datetimeFigureOut">
               <a:rPr lang="en-US" smtClean="0"/>
-              <a:t>2/13/2022</a:t>
+              <a:t>2/16/2022</a:t>
             </a:fld>
             <a:endParaRPr lang="en-US"/>
           </a:p>
@@ -4181,7 +4181,7 @@
           <a:p>
             <a:fld id="{5D8BE0D3-E4A9-48BC-9171-F8D206744B4D}" type="datetimeFigureOut">
               <a:rPr lang="en-US" smtClean="0"/>
-              <a:t>2/13/2022</a:t>
+              <a:t>2/16/2022</a:t>
             </a:fld>
             <a:endParaRPr lang="en-US"/>
           </a:p>
@@ -4535,7 +4535,7 @@
           <a:p>
             <a:fld id="{5D8BE0D3-E4A9-48BC-9171-F8D206744B4D}" type="datetimeFigureOut">
               <a:rPr lang="en-US" smtClean="0"/>
-              <a:t>2/13/2022</a:t>
+              <a:t>2/16/2022</a:t>
             </a:fld>
             <a:endParaRPr lang="en-US"/>
           </a:p>
@@ -4912,7 +4912,7 @@
           <a:p>
             <a:fld id="{5D8BE0D3-E4A9-48BC-9171-F8D206744B4D}" type="datetimeFigureOut">
               <a:rPr lang="en-US" smtClean="0"/>
-              <a:t>2/13/2022</a:t>
+              <a:t>2/16/2022</a:t>
             </a:fld>
             <a:endParaRPr lang="en-US"/>
           </a:p>
@@ -5197,7 +5197,7 @@
           <a:p>
             <a:fld id="{5D8BE0D3-E4A9-48BC-9171-F8D206744B4D}" type="datetimeFigureOut">
               <a:rPr lang="en-US" smtClean="0"/>
-              <a:t>2/13/2022</a:t>
+              <a:t>2/16/2022</a:t>
             </a:fld>
             <a:endParaRPr lang="en-US"/>
           </a:p>
@@ -5891,8 +5891,8 @@
           </a:p>
         </p:txBody>
       </p:sp>
-      <mc:AlternateContent xmlns:mc="http://schemas.openxmlformats.org/markup-compatibility/2006">
-        <mc:Choice xmlns:a14="http://schemas.microsoft.com/office/drawing/2010/main" Requires="a14">
+      <mc:AlternateContent xmlns:mc="http://schemas.openxmlformats.org/markup-compatibility/2006" xmlns:a14="http://schemas.microsoft.com/office/drawing/2010/main">
+        <mc:Choice Requires="a14">
           <p:sp>
             <p:nvSpPr>
               <p:cNvPr id="6" name="Content Placeholder 5">
@@ -6157,7 +6157,7 @@
                       <m:sSub>
                         <m:sSubPr>
                           <m:ctrlPr>
-                            <a:rPr lang="en-US" sz="3200" b="0" i="0" smtClean="0">
+                            <a:rPr lang="en-US" sz="3200" b="0" i="1" smtClean="0">
                               <a:solidFill>
                                 <a:srgbClr val="FF0000"/>
                               </a:solidFill>
@@ -6228,7 +6228,7 @@
             </p:txBody>
           </p:sp>
         </mc:Choice>
-        <mc:Fallback>
+        <mc:Fallback xmlns="">
           <p:sp>
             <p:nvSpPr>
               <p:cNvPr id="6" name="Content Placeholder 5">
@@ -6982,8 +6982,8 @@
           </a:p>
         </p:txBody>
       </p:sp>
-      <mc:AlternateContent xmlns:mc="http://schemas.openxmlformats.org/markup-compatibility/2006">
-        <mc:Choice xmlns:a14="http://schemas.microsoft.com/office/drawing/2010/main" Requires="a14">
+      <mc:AlternateContent xmlns:mc="http://schemas.openxmlformats.org/markup-compatibility/2006" xmlns:a14="http://schemas.microsoft.com/office/drawing/2010/main">
+        <mc:Choice Requires="a14">
           <p:sp>
             <p:nvSpPr>
               <p:cNvPr id="36" name="TextBox 35">
@@ -7213,7 +7213,7 @@
             </p:txBody>
           </p:sp>
         </mc:Choice>
-        <mc:Fallback>
+        <mc:Fallback xmlns="">
           <p:sp>
             <p:nvSpPr>
               <p:cNvPr id="36" name="TextBox 35">
@@ -7542,8 +7542,8 @@
           </a:p>
         </p:txBody>
       </p:sp>
-      <mc:AlternateContent xmlns:mc="http://schemas.openxmlformats.org/markup-compatibility/2006">
-        <mc:Choice xmlns:a14="http://schemas.microsoft.com/office/drawing/2010/main" Requires="a14">
+      <mc:AlternateContent xmlns:mc="http://schemas.openxmlformats.org/markup-compatibility/2006" xmlns:a14="http://schemas.microsoft.com/office/drawing/2010/main">
+        <mc:Choice Requires="a14">
           <p:sp>
             <p:nvSpPr>
               <p:cNvPr id="6" name="Content Placeholder 5">
@@ -8001,7 +8001,7 @@
             </p:txBody>
           </p:sp>
         </mc:Choice>
-        <mc:Fallback>
+        <mc:Fallback xmlns="">
           <p:sp>
             <p:nvSpPr>
               <p:cNvPr id="6" name="Content Placeholder 5">
@@ -8330,8 +8330,8 @@
           </a:p>
         </p:txBody>
       </p:sp>
-      <mc:AlternateContent xmlns:mc="http://schemas.openxmlformats.org/markup-compatibility/2006">
-        <mc:Choice xmlns:a14="http://schemas.microsoft.com/office/drawing/2010/main" Requires="a14">
+      <mc:AlternateContent xmlns:mc="http://schemas.openxmlformats.org/markup-compatibility/2006" xmlns:a14="http://schemas.microsoft.com/office/drawing/2010/main">
+        <mc:Choice Requires="a14">
           <p:sp>
             <p:nvSpPr>
               <p:cNvPr id="23" name="TextBox 22">
@@ -8561,7 +8561,7 @@
             </p:txBody>
           </p:sp>
         </mc:Choice>
-        <mc:Fallback>
+        <mc:Fallback xmlns="">
           <p:sp>
             <p:nvSpPr>
               <p:cNvPr id="23" name="TextBox 22">
@@ -9151,8 +9151,8 @@
           </a:p>
         </p:txBody>
       </p:sp>
-      <mc:AlternateContent xmlns:mc="http://schemas.openxmlformats.org/markup-compatibility/2006">
-        <mc:Choice xmlns:a14="http://schemas.microsoft.com/office/drawing/2010/main" Requires="a14">
+      <mc:AlternateContent xmlns:mc="http://schemas.openxmlformats.org/markup-compatibility/2006" xmlns:a14="http://schemas.microsoft.com/office/drawing/2010/main">
+        <mc:Choice Requires="a14">
           <p:sp>
             <p:nvSpPr>
               <p:cNvPr id="6" name="Content Placeholder 5">
@@ -9396,7 +9396,7 @@
             </p:txBody>
           </p:sp>
         </mc:Choice>
-        <mc:Fallback>
+        <mc:Fallback xmlns="">
           <p:sp>
             <p:nvSpPr>
               <p:cNvPr id="6" name="Content Placeholder 5">
@@ -9470,8 +9470,8 @@
           </a:prstGeom>
         </p:spPr>
       </p:pic>
-      <mc:AlternateContent xmlns:mc="http://schemas.openxmlformats.org/markup-compatibility/2006">
-        <mc:Choice xmlns:a14="http://schemas.microsoft.com/office/drawing/2010/main" Requires="a14">
+      <mc:AlternateContent xmlns:mc="http://schemas.openxmlformats.org/markup-compatibility/2006" xmlns:a14="http://schemas.microsoft.com/office/drawing/2010/main">
+        <mc:Choice Requires="a14">
           <p:sp>
             <p:nvSpPr>
               <p:cNvPr id="13" name="TextBox 12">
@@ -9701,7 +9701,7 @@
             </p:txBody>
           </p:sp>
         </mc:Choice>
-        <mc:Fallback>
+        <mc:Fallback xmlns="">
           <p:sp>
             <p:nvSpPr>
               <p:cNvPr id="13" name="TextBox 12">
@@ -10273,8 +10273,8 @@
           </a:p>
         </p:txBody>
       </p:sp>
-      <mc:AlternateContent xmlns:mc="http://schemas.openxmlformats.org/markup-compatibility/2006">
-        <mc:Choice xmlns:a14="http://schemas.microsoft.com/office/drawing/2010/main" Requires="a14">
+      <mc:AlternateContent xmlns:mc="http://schemas.openxmlformats.org/markup-compatibility/2006" xmlns:a14="http://schemas.microsoft.com/office/drawing/2010/main">
+        <mc:Choice Requires="a14">
           <p:sp>
             <p:nvSpPr>
               <p:cNvPr id="6" name="Content Placeholder 5">
@@ -10666,7 +10666,7 @@
             </p:txBody>
           </p:sp>
         </mc:Choice>
-        <mc:Fallback>
+        <mc:Fallback xmlns="">
           <p:sp>
             <p:nvSpPr>
               <p:cNvPr id="6" name="Content Placeholder 5">
@@ -10798,8 +10798,8 @@
           </a:fontRef>
         </p:style>
       </p:cxnSp>
-      <mc:AlternateContent xmlns:mc="http://schemas.openxmlformats.org/markup-compatibility/2006">
-        <mc:Choice xmlns:a14="http://schemas.microsoft.com/office/drawing/2010/main" Requires="a14">
+      <mc:AlternateContent xmlns:mc="http://schemas.openxmlformats.org/markup-compatibility/2006" xmlns:a14="http://schemas.microsoft.com/office/drawing/2010/main">
+        <mc:Choice Requires="a14">
           <p:sp>
             <p:nvSpPr>
               <p:cNvPr id="13" name="TextBox 12">
@@ -11029,7 +11029,7 @@
             </p:txBody>
           </p:sp>
         </mc:Choice>
-        <mc:Fallback>
+        <mc:Fallback xmlns="">
           <p:sp>
             <p:nvSpPr>
               <p:cNvPr id="13" name="TextBox 12">
@@ -11675,8 +11675,8 @@
           </a:p>
         </p:txBody>
       </p:sp>
-      <mc:AlternateContent xmlns:mc="http://schemas.openxmlformats.org/markup-compatibility/2006">
-        <mc:Choice xmlns:a14="http://schemas.microsoft.com/office/drawing/2010/main" Requires="a14">
+      <mc:AlternateContent xmlns:mc="http://schemas.openxmlformats.org/markup-compatibility/2006" xmlns:a14="http://schemas.microsoft.com/office/drawing/2010/main">
+        <mc:Choice Requires="a14">
           <p:sp>
             <p:nvSpPr>
               <p:cNvPr id="6" name="Content Placeholder 5">
@@ -11820,7 +11820,7 @@
             </p:txBody>
           </p:sp>
         </mc:Choice>
-        <mc:Fallback>
+        <mc:Fallback xmlns="">
           <p:sp>
             <p:nvSpPr>
               <p:cNvPr id="6" name="Content Placeholder 5">
@@ -11929,8 +11929,8 @@
           </a:prstGeom>
         </p:spPr>
       </p:pic>
-      <mc:AlternateContent xmlns:mc="http://schemas.openxmlformats.org/markup-compatibility/2006">
-        <mc:Choice xmlns:a14="http://schemas.microsoft.com/office/drawing/2010/main" Requires="a14">
+      <mc:AlternateContent xmlns:mc="http://schemas.openxmlformats.org/markup-compatibility/2006" xmlns:a14="http://schemas.microsoft.com/office/drawing/2010/main">
+        <mc:Choice Requires="a14">
           <p:sp>
             <p:nvSpPr>
               <p:cNvPr id="12" name="TextBox 11">
@@ -12160,7 +12160,7 @@
             </p:txBody>
           </p:sp>
         </mc:Choice>
-        <mc:Fallback>
+        <mc:Fallback xmlns="">
           <p:sp>
             <p:nvSpPr>
               <p:cNvPr id="12" name="TextBox 11">
@@ -12595,8 +12595,8 @@
           </a:p>
         </p:txBody>
       </p:sp>
-      <mc:AlternateContent xmlns:mc="http://schemas.openxmlformats.org/markup-compatibility/2006">
-        <mc:Choice xmlns:a14="http://schemas.microsoft.com/office/drawing/2010/main" Requires="a14">
+      <mc:AlternateContent xmlns:mc="http://schemas.openxmlformats.org/markup-compatibility/2006" xmlns:a14="http://schemas.microsoft.com/office/drawing/2010/main">
+        <mc:Choice Requires="a14">
           <p:sp>
             <p:nvSpPr>
               <p:cNvPr id="6" name="Content Placeholder 5">
@@ -12848,7 +12848,7 @@
             </p:txBody>
           </p:sp>
         </mc:Choice>
-        <mc:Fallback>
+        <mc:Fallback xmlns="">
           <p:sp>
             <p:nvSpPr>
               <p:cNvPr id="6" name="Content Placeholder 5">
@@ -12892,8 +12892,8 @@
           </p:sp>
         </mc:Fallback>
       </mc:AlternateContent>
-      <mc:AlternateContent xmlns:mc="http://schemas.openxmlformats.org/markup-compatibility/2006">
-        <mc:Choice xmlns:a14="http://schemas.microsoft.com/office/drawing/2010/main" Requires="a14">
+      <mc:AlternateContent xmlns:mc="http://schemas.openxmlformats.org/markup-compatibility/2006" xmlns:a14="http://schemas.microsoft.com/office/drawing/2010/main">
+        <mc:Choice Requires="a14">
           <p:sp>
             <p:nvSpPr>
               <p:cNvPr id="5" name="TextBox 4">
@@ -13123,7 +13123,7 @@
             </p:txBody>
           </p:sp>
         </mc:Choice>
-        <mc:Fallback>
+        <mc:Fallback xmlns="">
           <p:sp>
             <p:nvSpPr>
               <p:cNvPr id="5" name="TextBox 4">
@@ -13929,8 +13929,8 @@
           </a:p>
         </p:txBody>
       </p:sp>
-      <mc:AlternateContent xmlns:mc="http://schemas.openxmlformats.org/markup-compatibility/2006">
-        <mc:Choice xmlns:a14="http://schemas.microsoft.com/office/drawing/2010/main" Requires="a14">
+      <mc:AlternateContent xmlns:mc="http://schemas.openxmlformats.org/markup-compatibility/2006" xmlns:a14="http://schemas.microsoft.com/office/drawing/2010/main">
+        <mc:Choice Requires="a14">
           <p:sp>
             <p:nvSpPr>
               <p:cNvPr id="6" name="Content Placeholder 5">
@@ -14346,7 +14346,7 @@
             </p:txBody>
           </p:sp>
         </mc:Choice>
-        <mc:Fallback>
+        <mc:Fallback xmlns="">
           <p:sp>
             <p:nvSpPr>
               <p:cNvPr id="6" name="Content Placeholder 5">
@@ -19049,7 +19049,23 @@
                       <a:schemeClr val="tx1"/>
                     </a:solidFill>
                   </a:rPr>
-                  <a:t> is the brakes…. Better known as the idea of a carry capacity</a:t>
+                  <a:t> is the brakes…. Better known as the idea of </a:t>
+                </a:r>
+                <a:r>
+                  <a:rPr lang="en-US" sz="2000">
+                    <a:solidFill>
+                      <a:schemeClr val="tx1"/>
+                    </a:solidFill>
+                  </a:rPr>
+                  <a:t>a carrying </a:t>
+                </a:r>
+                <a:r>
+                  <a:rPr lang="en-US" sz="2000" dirty="0">
+                    <a:solidFill>
+                      <a:schemeClr val="tx1"/>
+                    </a:solidFill>
+                  </a:rPr>
+                  <a:t>capacity</a:t>
                 </a:r>
               </a:p>
               <a:p>
@@ -19776,8 +19792,8 @@
           </a:p>
         </p:txBody>
       </p:sp>
-      <mc:AlternateContent xmlns:mc="http://schemas.openxmlformats.org/markup-compatibility/2006">
-        <mc:Choice xmlns:a14="http://schemas.microsoft.com/office/drawing/2010/main" Requires="a14">
+      <mc:AlternateContent xmlns:mc="http://schemas.openxmlformats.org/markup-compatibility/2006" xmlns:a14="http://schemas.microsoft.com/office/drawing/2010/main">
+        <mc:Choice Requires="a14">
           <p:sp>
             <p:nvSpPr>
               <p:cNvPr id="6" name="Content Placeholder 5">
@@ -20030,7 +20046,7 @@
                       <m:sSub>
                         <m:sSubPr>
                           <m:ctrlPr>
-                            <a:rPr lang="en-US" sz="3200" b="0" i="0" smtClean="0">
+                            <a:rPr lang="en-US" sz="3200" b="0" i="1" smtClean="0">
                               <a:solidFill>
                                 <a:srgbClr val="FF0000"/>
                               </a:solidFill>
@@ -20075,7 +20091,7 @@
             </p:txBody>
           </p:sp>
         </mc:Choice>
-        <mc:Fallback>
+        <mc:Fallback xmlns="">
           <p:sp>
             <p:nvSpPr>
               <p:cNvPr id="6" name="Content Placeholder 5">
